--- a/internet-security/intro.pptx
+++ b/internet-security/intro.pptx
@@ -5,13 +5,14 @@
     <p:sldMasterId id="2147483660" r:id="rId1"/>
   </p:sldMasterIdLst>
   <p:notesMasterIdLst>
-    <p:notesMasterId r:id="rId6"/>
+    <p:notesMasterId r:id="rId7"/>
   </p:notesMasterIdLst>
   <p:sldIdLst>
     <p:sldId id="256" r:id="rId2"/>
     <p:sldId id="281" r:id="rId3"/>
     <p:sldId id="264" r:id="rId4"/>
     <p:sldId id="282" r:id="rId5"/>
+    <p:sldId id="283" r:id="rId6"/>
   </p:sldIdLst>
   <p:sldSz cx="9144000" cy="6858000" type="screen4x3"/>
   <p:notesSz cx="6858000" cy="9144000"/>
@@ -282,7 +283,7 @@
           <a:p>
             <a:fld id="{81B7EE3F-0E40-4E46-B38A-161A7323B428}" type="datetimeFigureOut">
               <a:rPr lang="en-US" smtClean="0"/>
-              <a:t>9/22/22</a:t>
+              <a:t>1/6/24</a:t>
             </a:fld>
             <a:endParaRPr lang="en-US"/>
           </a:p>
@@ -3695,16 +3696,8 @@
                 <a:latin typeface="STKaiti" panose="02010600040101010101" pitchFamily="2" charset="-122"/>
                 <a:ea typeface="STKaiti" panose="02010600040101010101" pitchFamily="2" charset="-122"/>
               </a:rPr>
-              <a:t>2019,2020,2021</a:t>
-            </a:r>
-            <a:r>
-              <a:rPr lang="en-US" altLang="zh-CN" b="1" dirty="0"/>
-              <a:t>,2022</a:t>
-            </a:r>
-            <a:endParaRPr lang="en-US" altLang="zh-CN" b="1" dirty="0">
-              <a:latin typeface="STKaiti" panose="02010600040101010101" pitchFamily="2" charset="-122"/>
-              <a:ea typeface="STKaiti" panose="02010600040101010101" pitchFamily="2" charset="-122"/>
-            </a:endParaRPr>
+              <a:t>2019-2023</a:t>
+            </a:r>
           </a:p>
         </p:txBody>
       </p:sp>
@@ -3973,32 +3966,6 @@
             <a:r>
               <a:rPr lang="en-US" altLang="zh-CN" dirty="0"/>
               <a:t>      HTTPS://github.com/YuZhang/Security-Courseware</a:t>
-            </a:r>
-          </a:p>
-          <a:p>
-            <a:r>
-              <a:rPr lang="zh-CN" altLang="en-US" dirty="0"/>
-              <a:t>部分课程音频</a:t>
-            </a:r>
-            <a:r>
-              <a:rPr lang="en-US" altLang="zh-CN" dirty="0"/>
-              <a:t>PPT</a:t>
-            </a:r>
-            <a:r>
-              <a:rPr lang="zh-CN" altLang="en-US" dirty="0"/>
-              <a:t>在课程</a:t>
-            </a:r>
-            <a:r>
-              <a:rPr lang="en-US" altLang="zh-CN" dirty="0"/>
-              <a:t>QQ</a:t>
-            </a:r>
-            <a:r>
-              <a:rPr lang="zh-CN" altLang="en-US" dirty="0"/>
-              <a:t>群发布</a:t>
-            </a:r>
-            <a:r>
-              <a:rPr lang="en-US" altLang="zh-CN" dirty="0"/>
-              <a:t>:720661132</a:t>
             </a:r>
           </a:p>
           <a:p>
@@ -4568,55 +4535,6 @@
                       </p:childTnLst>
                     </p:cTn>
                   </p:par>
-                  <p:par>
-                    <p:cTn id="43" fill="hold">
-                      <p:stCondLst>
-                        <p:cond delay="indefinite"/>
-                      </p:stCondLst>
-                      <p:childTnLst>
-                        <p:par>
-                          <p:cTn id="44" fill="hold">
-                            <p:stCondLst>
-                              <p:cond delay="0"/>
-                            </p:stCondLst>
-                            <p:childTnLst>
-                              <p:par>
-                                <p:cTn id="45" presetID="1" presetClass="entr" presetSubtype="0" fill="hold" grpId="0" nodeType="clickEffect">
-                                  <p:stCondLst>
-                                    <p:cond delay="0"/>
-                                  </p:stCondLst>
-                                  <p:childTnLst>
-                                    <p:set>
-                                      <p:cBhvr>
-                                        <p:cTn id="46" dur="1" fill="hold">
-                                          <p:stCondLst>
-                                            <p:cond delay="0"/>
-                                          </p:stCondLst>
-                                        </p:cTn>
-                                        <p:tgtEl>
-                                          <p:spTgt spid="3">
-                                            <p:txEl>
-                                              <p:pRg st="11" end="11"/>
-                                            </p:txEl>
-                                          </p:spTgt>
-                                        </p:tgtEl>
-                                        <p:attrNameLst>
-                                          <p:attrName>style.visibility</p:attrName>
-                                        </p:attrNameLst>
-                                      </p:cBhvr>
-                                      <p:to>
-                                        <p:strVal val="visible"/>
-                                      </p:to>
-                                    </p:set>
-                                  </p:childTnLst>
-                                </p:cTn>
-                              </p:par>
-                            </p:childTnLst>
-                          </p:cTn>
-                        </p:par>
-                      </p:childTnLst>
-                    </p:cTn>
-                  </p:par>
                 </p:childTnLst>
               </p:cTn>
               <p:prevCondLst>
@@ -4712,9 +4630,23 @@
           <a:bodyPr/>
           <a:lstStyle/>
           <a:p>
+            <a:endParaRPr lang="en-US" altLang="zh-CN" dirty="0"/>
+          </a:p>
+          <a:p>
+            <a:endParaRPr lang="en-US" altLang="zh-CN" dirty="0"/>
+          </a:p>
+          <a:p>
             <a:r>
               <a:rPr lang="zh-CN" altLang="en-US" dirty="0"/>
-              <a:t>本课程学习互联网基础设施原理与相关安全，培养从“系统”的角度理解工程设计与安全的关系。</a:t>
+              <a:t>本课程学习互联网基础设施原理与相关安全，</a:t>
+            </a:r>
+            <a:r>
+              <a:rPr lang="zh-CN" altLang="en-US" b="1" dirty="0"/>
+              <a:t>培养从“系统”的角度理解工程设计与安全的关系</a:t>
+            </a:r>
+            <a:r>
+              <a:rPr lang="zh-CN" altLang="en-US" dirty="0"/>
+              <a:t>。</a:t>
             </a:r>
             <a:endParaRPr lang="en-US" altLang="zh-CN" dirty="0"/>
           </a:p>
@@ -4724,11 +4656,12 @@
           <a:p>
             <a:r>
               <a:rPr lang="zh-CN" altLang="en-US" dirty="0"/>
-              <a:t>希望通过课程学习，能够对以下的论调有自己的理解</a:t>
+              <a:t>希望通过本课程学习，大家对以下的论调有自己的理解</a:t>
             </a:r>
             <a:endParaRPr lang="en-US" altLang="zh-CN" dirty="0"/>
           </a:p>
           <a:p>
+            <a:pPr lvl="1"/>
             <a:r>
               <a:rPr lang="zh-CN" altLang="en-US" dirty="0"/>
               <a:t>“市场决定论”：占有市场的，就是优秀的！</a:t>
@@ -4736,6 +4669,7 @@
             <a:endParaRPr lang="en-US" altLang="zh-CN" dirty="0"/>
           </a:p>
           <a:p>
+            <a:pPr lvl="1"/>
             <a:r>
               <a:rPr lang="zh-CN" altLang="en-US" dirty="0"/>
               <a:t>“设计进步论”：旧的“太老”，新的“更好”！</a:t>
@@ -4743,6 +4677,7 @@
             <a:endParaRPr lang="en-US" altLang="zh-CN" dirty="0"/>
           </a:p>
           <a:p>
+            <a:pPr lvl="1"/>
             <a:r>
               <a:rPr lang="zh-CN" altLang="en-US" dirty="0"/>
               <a:t>“先天决定论”：核心问题源自最初的缺陷 ！</a:t>
@@ -4750,6 +4685,7 @@
             <a:endParaRPr lang="en-US" altLang="zh-CN" dirty="0"/>
           </a:p>
           <a:p>
+            <a:pPr lvl="1"/>
             <a:r>
               <a:rPr lang="zh-CN" altLang="en-US" dirty="0"/>
               <a:t>“补丁</a:t>
@@ -4866,7 +4802,7 @@
                                         <p:tgtEl>
                                           <p:spTgt spid="3">
                                             <p:txEl>
-                                              <p:pRg st="0" end="0"/>
+                                              <p:pRg st="2" end="2"/>
                                             </p:txEl>
                                           </p:spTgt>
                                         </p:tgtEl>
@@ -4915,104 +4851,6 @@
                                         <p:tgtEl>
                                           <p:spTgt spid="3">
                                             <p:txEl>
-                                              <p:pRg st="2" end="2"/>
-                                            </p:txEl>
-                                          </p:spTgt>
-                                        </p:tgtEl>
-                                        <p:attrNameLst>
-                                          <p:attrName>style.visibility</p:attrName>
-                                        </p:attrNameLst>
-                                      </p:cBhvr>
-                                      <p:to>
-                                        <p:strVal val="visible"/>
-                                      </p:to>
-                                    </p:set>
-                                  </p:childTnLst>
-                                </p:cTn>
-                              </p:par>
-                            </p:childTnLst>
-                          </p:cTn>
-                        </p:par>
-                      </p:childTnLst>
-                    </p:cTn>
-                  </p:par>
-                  <p:par>
-                    <p:cTn id="11" fill="hold">
-                      <p:stCondLst>
-                        <p:cond delay="indefinite"/>
-                      </p:stCondLst>
-                      <p:childTnLst>
-                        <p:par>
-                          <p:cTn id="12" fill="hold">
-                            <p:stCondLst>
-                              <p:cond delay="0"/>
-                            </p:stCondLst>
-                            <p:childTnLst>
-                              <p:par>
-                                <p:cTn id="13" presetID="1" presetClass="entr" presetSubtype="0" fill="hold" grpId="0" nodeType="clickEffect">
-                                  <p:stCondLst>
-                                    <p:cond delay="0"/>
-                                  </p:stCondLst>
-                                  <p:childTnLst>
-                                    <p:set>
-                                      <p:cBhvr>
-                                        <p:cTn id="14" dur="1" fill="hold">
-                                          <p:stCondLst>
-                                            <p:cond delay="0"/>
-                                          </p:stCondLst>
-                                        </p:cTn>
-                                        <p:tgtEl>
-                                          <p:spTgt spid="3">
-                                            <p:txEl>
-                                              <p:pRg st="3" end="3"/>
-                                            </p:txEl>
-                                          </p:spTgt>
-                                        </p:tgtEl>
-                                        <p:attrNameLst>
-                                          <p:attrName>style.visibility</p:attrName>
-                                        </p:attrNameLst>
-                                      </p:cBhvr>
-                                      <p:to>
-                                        <p:strVal val="visible"/>
-                                      </p:to>
-                                    </p:set>
-                                  </p:childTnLst>
-                                </p:cTn>
-                              </p:par>
-                            </p:childTnLst>
-                          </p:cTn>
-                        </p:par>
-                      </p:childTnLst>
-                    </p:cTn>
-                  </p:par>
-                  <p:par>
-                    <p:cTn id="15" fill="hold">
-                      <p:stCondLst>
-                        <p:cond delay="indefinite"/>
-                      </p:stCondLst>
-                      <p:childTnLst>
-                        <p:par>
-                          <p:cTn id="16" fill="hold">
-                            <p:stCondLst>
-                              <p:cond delay="0"/>
-                            </p:stCondLst>
-                            <p:childTnLst>
-                              <p:par>
-                                <p:cTn id="17" presetID="1" presetClass="entr" presetSubtype="0" fill="hold" grpId="0" nodeType="clickEffect">
-                                  <p:stCondLst>
-                                    <p:cond delay="0"/>
-                                  </p:stCondLst>
-                                  <p:childTnLst>
-                                    <p:set>
-                                      <p:cBhvr>
-                                        <p:cTn id="18" dur="1" fill="hold">
-                                          <p:stCondLst>
-                                            <p:cond delay="0"/>
-                                          </p:stCondLst>
-                                        </p:cTn>
-                                        <p:tgtEl>
-                                          <p:spTgt spid="3">
-                                            <p:txEl>
                                               <p:pRg st="4" end="4"/>
                                             </p:txEl>
                                           </p:spTgt>
@@ -5028,33 +4866,15 @@
                                   </p:childTnLst>
                                 </p:cTn>
                               </p:par>
-                            </p:childTnLst>
-                          </p:cTn>
-                        </p:par>
-                      </p:childTnLst>
-                    </p:cTn>
-                  </p:par>
-                  <p:par>
-                    <p:cTn id="19" fill="hold">
-                      <p:stCondLst>
-                        <p:cond delay="indefinite"/>
-                      </p:stCondLst>
-                      <p:childTnLst>
-                        <p:par>
-                          <p:cTn id="20" fill="hold">
-                            <p:stCondLst>
-                              <p:cond delay="0"/>
-                            </p:stCondLst>
-                            <p:childTnLst>
                               <p:par>
-                                <p:cTn id="21" presetID="1" presetClass="entr" presetSubtype="0" fill="hold" grpId="0" nodeType="clickEffect">
+                                <p:cTn id="11" presetID="1" presetClass="entr" presetSubtype="0" fill="hold" grpId="0" nodeType="withEffect">
                                   <p:stCondLst>
                                     <p:cond delay="0"/>
                                   </p:stCondLst>
                                   <p:childTnLst>
                                     <p:set>
                                       <p:cBhvr>
-                                        <p:cTn id="22" dur="1" fill="hold">
+                                        <p:cTn id="12" dur="1" fill="hold">
                                           <p:stCondLst>
                                             <p:cond delay="0"/>
                                           </p:stCondLst>
@@ -5077,33 +4897,15 @@
                                   </p:childTnLst>
                                 </p:cTn>
                               </p:par>
-                            </p:childTnLst>
-                          </p:cTn>
-                        </p:par>
-                      </p:childTnLst>
-                    </p:cTn>
-                  </p:par>
-                  <p:par>
-                    <p:cTn id="23" fill="hold">
-                      <p:stCondLst>
-                        <p:cond delay="indefinite"/>
-                      </p:stCondLst>
-                      <p:childTnLst>
-                        <p:par>
-                          <p:cTn id="24" fill="hold">
-                            <p:stCondLst>
-                              <p:cond delay="0"/>
-                            </p:stCondLst>
-                            <p:childTnLst>
                               <p:par>
-                                <p:cTn id="25" presetID="1" presetClass="entr" presetSubtype="0" fill="hold" grpId="0" nodeType="clickEffect">
+                                <p:cTn id="13" presetID="1" presetClass="entr" presetSubtype="0" fill="hold" grpId="0" nodeType="withEffect">
                                   <p:stCondLst>
                                     <p:cond delay="0"/>
                                   </p:stCondLst>
                                   <p:childTnLst>
                                     <p:set>
                                       <p:cBhvr>
-                                        <p:cTn id="26" dur="1" fill="hold">
+                                        <p:cTn id="14" dur="1" fill="hold">
                                           <p:stCondLst>
                                             <p:cond delay="0"/>
                                           </p:stCondLst>
@@ -5112,6 +4914,68 @@
                                           <p:spTgt spid="3">
                                             <p:txEl>
                                               <p:pRg st="6" end="6"/>
+                                            </p:txEl>
+                                          </p:spTgt>
+                                        </p:tgtEl>
+                                        <p:attrNameLst>
+                                          <p:attrName>style.visibility</p:attrName>
+                                        </p:attrNameLst>
+                                      </p:cBhvr>
+                                      <p:to>
+                                        <p:strVal val="visible"/>
+                                      </p:to>
+                                    </p:set>
+                                  </p:childTnLst>
+                                </p:cTn>
+                              </p:par>
+                              <p:par>
+                                <p:cTn id="15" presetID="1" presetClass="entr" presetSubtype="0" fill="hold" grpId="0" nodeType="withEffect">
+                                  <p:stCondLst>
+                                    <p:cond delay="0"/>
+                                  </p:stCondLst>
+                                  <p:childTnLst>
+                                    <p:set>
+                                      <p:cBhvr>
+                                        <p:cTn id="16" dur="1" fill="hold">
+                                          <p:stCondLst>
+                                            <p:cond delay="0"/>
+                                          </p:stCondLst>
+                                        </p:cTn>
+                                        <p:tgtEl>
+                                          <p:spTgt spid="3">
+                                            <p:txEl>
+                                              <p:pRg st="7" end="7"/>
+                                            </p:txEl>
+                                          </p:spTgt>
+                                        </p:tgtEl>
+                                        <p:attrNameLst>
+                                          <p:attrName>style.visibility</p:attrName>
+                                        </p:attrNameLst>
+                                      </p:cBhvr>
+                                      <p:to>
+                                        <p:strVal val="visible"/>
+                                      </p:to>
+                                    </p:set>
+                                  </p:childTnLst>
+                                </p:cTn>
+                              </p:par>
+                              <p:par>
+                                <p:cTn id="17" presetID="1" presetClass="entr" presetSubtype="0" fill="hold" grpId="0" nodeType="withEffect">
+                                  <p:stCondLst>
+                                    <p:cond delay="0"/>
+                                  </p:stCondLst>
+                                  <p:childTnLst>
+                                    <p:set>
+                                      <p:cBhvr>
+                                        <p:cTn id="18" dur="1" fill="hold">
+                                          <p:stCondLst>
+                                            <p:cond delay="0"/>
+                                          </p:stCondLst>
+                                        </p:cTn>
+                                        <p:tgtEl>
+                                          <p:spTgt spid="3">
+                                            <p:txEl>
+                                              <p:pRg st="8" end="8"/>
                                             </p:txEl>
                                           </p:spTgt>
                                         </p:tgtEl>
@@ -5285,11 +5149,19 @@
             </a:r>
             <a:r>
               <a:rPr lang="en-US" altLang="zh-CN" dirty="0"/>
-              <a:t>2020</a:t>
+              <a:t>2022</a:t>
             </a:r>
             <a:r>
               <a:rPr lang="zh-CN" altLang="en-US" dirty="0"/>
-              <a:t>年后顶级会议论文，方向包括网络体系结构、</a:t>
+              <a:t>年</a:t>
+            </a:r>
+            <a:r>
+              <a:rPr lang="en-US" altLang="zh-CN" dirty="0"/>
+              <a:t>-2023</a:t>
+            </a:r>
+            <a:r>
+              <a:rPr lang="zh-CN" altLang="en-US" dirty="0"/>
+              <a:t>年顶级会议论文，方向包括网络体系结构、</a:t>
             </a:r>
             <a:r>
               <a:rPr lang="en-US" altLang="zh-CN" dirty="0"/>
@@ -5356,7 +5228,7 @@
             </a:r>
             <a:r>
               <a:rPr lang="en-US" altLang="zh-CN" dirty="0"/>
-              <a:t>16</a:t>
+              <a:t>21</a:t>
             </a:r>
             <a:r>
               <a:rPr lang="zh-CN" altLang="en-US" dirty="0"/>
@@ -5372,7 +5244,7 @@
             </a:r>
             <a:r>
               <a:rPr lang="en-US" altLang="zh-CN" dirty="0"/>
-              <a:t>10</a:t>
+              <a:t>19</a:t>
             </a:r>
             <a:r>
               <a:rPr lang="zh-CN" altLang="en-US" dirty="0"/>
@@ -5665,6 +5537,120 @@
       <p:bldP spid="3" grpId="0" build="p"/>
     </p:bldLst>
   </p:timing>
+</p:sld>
+</file>
+
+<file path=ppt/slides/slide5.xml><?xml version="1.0" encoding="utf-8"?>
+<p:sld xmlns:a="http://schemas.openxmlformats.org/drawingml/2006/main" xmlns:r="http://schemas.openxmlformats.org/officeDocument/2006/relationships" xmlns:p="http://schemas.openxmlformats.org/presentationml/2006/main">
+  <p:cSld>
+    <p:spTree>
+      <p:nvGrpSpPr>
+        <p:cNvPr id="1" name=""/>
+        <p:cNvGrpSpPr/>
+        <p:nvPr/>
+      </p:nvGrpSpPr>
+      <p:grpSpPr>
+        <a:xfrm>
+          <a:off x="0" y="0"/>
+          <a:ext cx="0" cy="0"/>
+          <a:chOff x="0" y="0"/>
+          <a:chExt cx="0" cy="0"/>
+        </a:xfrm>
+      </p:grpSpPr>
+      <p:sp>
+        <p:nvSpPr>
+          <p:cNvPr id="2" name="Title 1">
+            <a:extLst>
+              <a:ext uri="{FF2B5EF4-FFF2-40B4-BE49-F238E27FC236}">
+                <a16:creationId xmlns:a16="http://schemas.microsoft.com/office/drawing/2014/main" id="{06CFA8D5-8C0D-F406-D115-8E34DB2A548D}"/>
+              </a:ext>
+            </a:extLst>
+          </p:cNvPr>
+          <p:cNvSpPr>
+            <a:spLocks noGrp="1"/>
+          </p:cNvSpPr>
+          <p:nvPr>
+            <p:ph type="title"/>
+          </p:nvPr>
+        </p:nvSpPr>
+        <p:spPr/>
+        <p:txBody>
+          <a:bodyPr/>
+          <a:lstStyle/>
+          <a:p>
+            <a:endParaRPr lang="en-CN"/>
+          </a:p>
+        </p:txBody>
+      </p:sp>
+      <p:sp>
+        <p:nvSpPr>
+          <p:cNvPr id="4" name="Slide Number Placeholder 3">
+            <a:extLst>
+              <a:ext uri="{FF2B5EF4-FFF2-40B4-BE49-F238E27FC236}">
+                <a16:creationId xmlns:a16="http://schemas.microsoft.com/office/drawing/2014/main" id="{D1D537FE-5317-B3CA-2C96-16DD53CE12AD}"/>
+              </a:ext>
+            </a:extLst>
+          </p:cNvPr>
+          <p:cNvSpPr>
+            <a:spLocks noGrp="1"/>
+          </p:cNvSpPr>
+          <p:nvPr>
+            <p:ph type="sldNum" sz="quarter" idx="12"/>
+          </p:nvPr>
+        </p:nvSpPr>
+        <p:spPr/>
+        <p:txBody>
+          <a:bodyPr/>
+          <a:lstStyle/>
+          <a:p>
+            <a:fld id="{B8AE17C6-53CA-944D-9421-F2F3A04C57E0}" type="slidenum">
+              <a:rPr lang="en-US" smtClean="0"/>
+              <a:t>5</a:t>
+            </a:fld>
+            <a:endParaRPr lang="en-US"/>
+          </a:p>
+        </p:txBody>
+      </p:sp>
+      <p:pic>
+        <p:nvPicPr>
+          <p:cNvPr id="6" name="Picture 5">
+            <a:extLst>
+              <a:ext uri="{FF2B5EF4-FFF2-40B4-BE49-F238E27FC236}">
+                <a16:creationId xmlns:a16="http://schemas.microsoft.com/office/drawing/2014/main" id="{9AC0B732-FDEA-8D07-1475-66D7285FD37A}"/>
+              </a:ext>
+            </a:extLst>
+          </p:cNvPr>
+          <p:cNvPicPr>
+            <a:picLocks noChangeAspect="1"/>
+          </p:cNvPicPr>
+          <p:nvPr/>
+        </p:nvPicPr>
+        <p:blipFill>
+          <a:blip r:embed="rId2"/>
+          <a:stretch>
+            <a:fillRect/>
+          </a:stretch>
+        </p:blipFill>
+        <p:spPr>
+          <a:xfrm>
+            <a:off x="2338669" y="0"/>
+            <a:ext cx="3857062" cy="6858000"/>
+          </a:xfrm>
+          <a:prstGeom prst="rect">
+            <a:avLst/>
+          </a:prstGeom>
+        </p:spPr>
+      </p:pic>
+    </p:spTree>
+    <p:extLst>
+      <p:ext uri="{BB962C8B-B14F-4D97-AF65-F5344CB8AC3E}">
+        <p14:creationId xmlns:p14="http://schemas.microsoft.com/office/powerpoint/2010/main" val="2604881128"/>
+      </p:ext>
+    </p:extLst>
+  </p:cSld>
+  <p:clrMapOvr>
+    <a:masterClrMapping/>
+  </p:clrMapOvr>
 </p:sld>
 </file>
 
